--- a/content/refguide/attachments/runtime/runtime-diagrams.pptx
+++ b/content/refguide/attachments/runtime/runtime-diagrams.pptx
@@ -271,7 +271,7 @@
           <a:p>
             <a:fld id="{0FD70F0B-AE21-4F8D-A4A9-BFD22160883F}" type="datetimeFigureOut">
               <a:rPr lang="en-US" smtClean="0"/>
-              <a:t>12/12/2019</a:t>
+              <a:t>12/13/2019</a:t>
             </a:fld>
             <a:endParaRPr lang="en-US"/>
           </a:p>
@@ -469,7 +469,7 @@
           <a:p>
             <a:fld id="{0FD70F0B-AE21-4F8D-A4A9-BFD22160883F}" type="datetimeFigureOut">
               <a:rPr lang="en-US" smtClean="0"/>
-              <a:t>12/12/2019</a:t>
+              <a:t>12/13/2019</a:t>
             </a:fld>
             <a:endParaRPr lang="en-US"/>
           </a:p>
@@ -677,7 +677,7 @@
           <a:p>
             <a:fld id="{0FD70F0B-AE21-4F8D-A4A9-BFD22160883F}" type="datetimeFigureOut">
               <a:rPr lang="en-US" smtClean="0"/>
-              <a:t>12/12/2019</a:t>
+              <a:t>12/13/2019</a:t>
             </a:fld>
             <a:endParaRPr lang="en-US"/>
           </a:p>
@@ -875,7 +875,7 @@
           <a:p>
             <a:fld id="{0FD70F0B-AE21-4F8D-A4A9-BFD22160883F}" type="datetimeFigureOut">
               <a:rPr lang="en-US" smtClean="0"/>
-              <a:t>12/12/2019</a:t>
+              <a:t>12/13/2019</a:t>
             </a:fld>
             <a:endParaRPr lang="en-US"/>
           </a:p>
@@ -1150,7 +1150,7 @@
           <a:p>
             <a:fld id="{0FD70F0B-AE21-4F8D-A4A9-BFD22160883F}" type="datetimeFigureOut">
               <a:rPr lang="en-US" smtClean="0"/>
-              <a:t>12/12/2019</a:t>
+              <a:t>12/13/2019</a:t>
             </a:fld>
             <a:endParaRPr lang="en-US"/>
           </a:p>
@@ -1415,7 +1415,7 @@
           <a:p>
             <a:fld id="{0FD70F0B-AE21-4F8D-A4A9-BFD22160883F}" type="datetimeFigureOut">
               <a:rPr lang="en-US" smtClean="0"/>
-              <a:t>12/12/2019</a:t>
+              <a:t>12/13/2019</a:t>
             </a:fld>
             <a:endParaRPr lang="en-US"/>
           </a:p>
@@ -1827,7 +1827,7 @@
           <a:p>
             <a:fld id="{0FD70F0B-AE21-4F8D-A4A9-BFD22160883F}" type="datetimeFigureOut">
               <a:rPr lang="en-US" smtClean="0"/>
-              <a:t>12/12/2019</a:t>
+              <a:t>12/13/2019</a:t>
             </a:fld>
             <a:endParaRPr lang="en-US"/>
           </a:p>
@@ -1968,7 +1968,7 @@
           <a:p>
             <a:fld id="{0FD70F0B-AE21-4F8D-A4A9-BFD22160883F}" type="datetimeFigureOut">
               <a:rPr lang="en-US" smtClean="0"/>
-              <a:t>12/12/2019</a:t>
+              <a:t>12/13/2019</a:t>
             </a:fld>
             <a:endParaRPr lang="en-US"/>
           </a:p>
@@ -2081,7 +2081,7 @@
           <a:p>
             <a:fld id="{0FD70F0B-AE21-4F8D-A4A9-BFD22160883F}" type="datetimeFigureOut">
               <a:rPr lang="en-US" smtClean="0"/>
-              <a:t>12/12/2019</a:t>
+              <a:t>12/13/2019</a:t>
             </a:fld>
             <a:endParaRPr lang="en-US"/>
           </a:p>
@@ -2392,7 +2392,7 @@
           <a:p>
             <a:fld id="{0FD70F0B-AE21-4F8D-A4A9-BFD22160883F}" type="datetimeFigureOut">
               <a:rPr lang="en-US" smtClean="0"/>
-              <a:t>12/12/2019</a:t>
+              <a:t>12/13/2019</a:t>
             </a:fld>
             <a:endParaRPr lang="en-US"/>
           </a:p>
@@ -2680,7 +2680,7 @@
           <a:p>
             <a:fld id="{0FD70F0B-AE21-4F8D-A4A9-BFD22160883F}" type="datetimeFigureOut">
               <a:rPr lang="en-US" smtClean="0"/>
-              <a:t>12/12/2019</a:t>
+              <a:t>12/13/2019</a:t>
             </a:fld>
             <a:endParaRPr lang="en-US"/>
           </a:p>
@@ -2921,7 +2921,7 @@
           <a:p>
             <a:fld id="{0FD70F0B-AE21-4F8D-A4A9-BFD22160883F}" type="datetimeFigureOut">
               <a:rPr lang="en-US" smtClean="0"/>
-              <a:t>12/12/2019</a:t>
+              <a:t>12/13/2019</a:t>
             </a:fld>
             <a:endParaRPr lang="en-US"/>
           </a:p>
@@ -3368,6 +3368,44 @@
           </a:p>
         </p:txBody>
       </p:sp>
+      <p:sp>
+        <p:nvSpPr>
+          <p:cNvPr id="3" name="TextBox 2">
+            <a:extLst>
+              <a:ext uri="{FF2B5EF4-FFF2-40B4-BE49-F238E27FC236}">
+                <a16:creationId xmlns:a16="http://schemas.microsoft.com/office/drawing/2014/main" id="{F8F22DEC-0F1C-4891-8326-0A4B577F7C8C}"/>
+              </a:ext>
+            </a:extLst>
+          </p:cNvPr>
+          <p:cNvSpPr txBox="1"/>
+          <p:nvPr/>
+        </p:nvSpPr>
+        <p:spPr>
+          <a:xfrm>
+            <a:off x="908094" y="4181015"/>
+            <a:ext cx="3739580" cy="369332"/>
+          </a:xfrm>
+          <a:prstGeom prst="rect">
+            <a:avLst/>
+          </a:prstGeom>
+          <a:noFill/>
+        </p:spPr>
+        <p:txBody>
+          <a:bodyPr wrap="square" rtlCol="0">
+            <a:spAutoFit/>
+          </a:bodyPr>
+          <a:lstStyle/>
+          <a:p>
+            <a:r>
+              <a:rPr lang="en-US" dirty="0">
+                <a:hlinkClick r:id="rId2" action="ppaction://hlinkfile"/>
+              </a:rPr>
+              <a:t>runtime images</a:t>
+            </a:r>
+            <a:endParaRPr lang="en-US" dirty="0"/>
+          </a:p>
+        </p:txBody>
+      </p:sp>
     </p:spTree>
     <p:extLst>
       <p:ext uri="{BB962C8B-B14F-4D97-AF65-F5344CB8AC3E}">
@@ -3666,9 +3704,10 @@
           <a:p>
             <a:pPr algn="ctr"/>
             <a:r>
-              <a:rPr lang="en-US" dirty="0"/>
-              <a:t>File</a:t>
-            </a:r>
+              <a:rPr lang="en-US"/>
+              <a:t>File Storage</a:t>
+            </a:r>
+            <a:endParaRPr lang="en-US" dirty="0"/>
           </a:p>
           <a:p>
             <a:pPr algn="ctr"/>
@@ -4045,6 +4084,229 @@
             <a:r>
               <a:rPr lang="en-US" dirty="0"/>
               <a:t>Object manager</a:t>
+            </a:r>
+          </a:p>
+        </p:txBody>
+      </p:sp>
+      <p:sp>
+        <p:nvSpPr>
+          <p:cNvPr id="16" name="Flowchart: Process 15">
+            <a:extLst>
+              <a:ext uri="{FF2B5EF4-FFF2-40B4-BE49-F238E27FC236}">
+                <a16:creationId xmlns:a16="http://schemas.microsoft.com/office/drawing/2014/main" id="{892ED1EB-F529-42DE-A754-6C4188E6A453}"/>
+              </a:ext>
+            </a:extLst>
+          </p:cNvPr>
+          <p:cNvSpPr/>
+          <p:nvPr/>
+        </p:nvSpPr>
+        <p:spPr>
+          <a:xfrm>
+            <a:off x="4117428" y="4017054"/>
+            <a:ext cx="1260000" cy="576000"/>
+          </a:xfrm>
+          <a:prstGeom prst="flowChartProcess">
+            <a:avLst/>
+          </a:prstGeom>
+        </p:spPr>
+        <p:style>
+          <a:lnRef idx="2">
+            <a:schemeClr val="accent1">
+              <a:shade val="50000"/>
+            </a:schemeClr>
+          </a:lnRef>
+          <a:fillRef idx="1">
+            <a:schemeClr val="accent1"/>
+          </a:fillRef>
+          <a:effectRef idx="0">
+            <a:schemeClr val="accent1"/>
+          </a:effectRef>
+          <a:fontRef idx="minor">
+            <a:schemeClr val="lt1"/>
+          </a:fontRef>
+        </p:style>
+        <p:txBody>
+          <a:bodyPr rot="0" spcFirstLastPara="0" vertOverflow="overflow" horzOverflow="overflow" vert="horz" wrap="square" lIns="36000" tIns="36000" rIns="36000" bIns="36000" numCol="1" spcCol="0" rtlCol="0" fromWordArt="0" anchor="ctr" anchorCtr="0" forceAA="0" compatLnSpc="1">
+            <a:prstTxWarp prst="textNoShape">
+              <a:avLst/>
+            </a:prstTxWarp>
+            <a:noAutofit/>
+          </a:bodyPr>
+          <a:lstStyle/>
+          <a:p>
+            <a:pPr algn="ctr"/>
+            <a:r>
+              <a:rPr lang="en-US" dirty="0"/>
+              <a:t>Runtime Client API</a:t>
+            </a:r>
+          </a:p>
+        </p:txBody>
+      </p:sp>
+      <p:sp>
+        <p:nvSpPr>
+          <p:cNvPr id="18" name="Flowchart: Process 17">
+            <a:extLst>
+              <a:ext uri="{FF2B5EF4-FFF2-40B4-BE49-F238E27FC236}">
+                <a16:creationId xmlns:a16="http://schemas.microsoft.com/office/drawing/2014/main" id="{02A358D3-9F23-4214-8111-450F72EFA729}"/>
+              </a:ext>
+            </a:extLst>
+          </p:cNvPr>
+          <p:cNvSpPr/>
+          <p:nvPr/>
+        </p:nvSpPr>
+        <p:spPr>
+          <a:xfrm>
+            <a:off x="635351" y="3032102"/>
+            <a:ext cx="1260000" cy="576000"/>
+          </a:xfrm>
+          <a:prstGeom prst="flowChartProcess">
+            <a:avLst/>
+          </a:prstGeom>
+        </p:spPr>
+        <p:style>
+          <a:lnRef idx="2">
+            <a:schemeClr val="accent1">
+              <a:shade val="50000"/>
+            </a:schemeClr>
+          </a:lnRef>
+          <a:fillRef idx="1">
+            <a:schemeClr val="accent1"/>
+          </a:fillRef>
+          <a:effectRef idx="0">
+            <a:schemeClr val="accent1"/>
+          </a:effectRef>
+          <a:fontRef idx="minor">
+            <a:schemeClr val="lt1"/>
+          </a:fontRef>
+        </p:style>
+        <p:txBody>
+          <a:bodyPr rot="0" spcFirstLastPara="0" vertOverflow="overflow" horzOverflow="overflow" vert="horz" wrap="square" lIns="36000" tIns="36000" rIns="36000" bIns="36000" numCol="1" spcCol="0" rtlCol="0" fromWordArt="0" anchor="ctr" anchorCtr="0" forceAA="0" compatLnSpc="1">
+            <a:prstTxWarp prst="textNoShape">
+              <a:avLst/>
+            </a:prstTxWarp>
+            <a:noAutofit/>
+          </a:bodyPr>
+          <a:lstStyle/>
+          <a:p>
+            <a:pPr algn="ctr"/>
+            <a:r>
+              <a:rPr lang="en-US" dirty="0"/>
+              <a:t>External Service Calls</a:t>
+            </a:r>
+          </a:p>
+        </p:txBody>
+      </p:sp>
+      <p:sp>
+        <p:nvSpPr>
+          <p:cNvPr id="19" name="Flowchart: Process 18">
+            <a:extLst>
+              <a:ext uri="{FF2B5EF4-FFF2-40B4-BE49-F238E27FC236}">
+                <a16:creationId xmlns:a16="http://schemas.microsoft.com/office/drawing/2014/main" id="{FDE32B0D-8382-41F2-9DE4-8D11CD7BA7A7}"/>
+              </a:ext>
+            </a:extLst>
+          </p:cNvPr>
+          <p:cNvSpPr/>
+          <p:nvPr/>
+        </p:nvSpPr>
+        <p:spPr>
+          <a:xfrm>
+            <a:off x="635351" y="4017054"/>
+            <a:ext cx="1260000" cy="576000"/>
+          </a:xfrm>
+          <a:prstGeom prst="flowChartProcess">
+            <a:avLst/>
+          </a:prstGeom>
+        </p:spPr>
+        <p:style>
+          <a:lnRef idx="2">
+            <a:schemeClr val="accent1">
+              <a:shade val="50000"/>
+            </a:schemeClr>
+          </a:lnRef>
+          <a:fillRef idx="1">
+            <a:schemeClr val="accent1"/>
+          </a:fillRef>
+          <a:effectRef idx="0">
+            <a:schemeClr val="accent1"/>
+          </a:effectRef>
+          <a:fontRef idx="minor">
+            <a:schemeClr val="lt1"/>
+          </a:fontRef>
+        </p:style>
+        <p:txBody>
+          <a:bodyPr rot="0" spcFirstLastPara="0" vertOverflow="overflow" horzOverflow="overflow" vert="horz" wrap="square" lIns="36000" tIns="36000" rIns="36000" bIns="36000" numCol="1" spcCol="0" rtlCol="0" fromWordArt="0" anchor="ctr" anchorCtr="0" forceAA="0" compatLnSpc="1">
+            <a:prstTxWarp prst="textNoShape">
+              <a:avLst/>
+            </a:prstTxWarp>
+            <a:noAutofit/>
+          </a:bodyPr>
+          <a:lstStyle/>
+          <a:p>
+            <a:pPr algn="ctr"/>
+            <a:r>
+              <a:rPr lang="en-US" dirty="0"/>
+              <a:t>Ext. Service Requests</a:t>
+            </a:r>
+          </a:p>
+        </p:txBody>
+      </p:sp>
+      <p:sp>
+        <p:nvSpPr>
+          <p:cNvPr id="20" name="Flowchart: Process 19">
+            <a:extLst>
+              <a:ext uri="{FF2B5EF4-FFF2-40B4-BE49-F238E27FC236}">
+                <a16:creationId xmlns:a16="http://schemas.microsoft.com/office/drawing/2014/main" id="{A57D064B-B829-4798-9E19-E7D29FAAB91E}"/>
+              </a:ext>
+            </a:extLst>
+          </p:cNvPr>
+          <p:cNvSpPr/>
+          <p:nvPr/>
+        </p:nvSpPr>
+        <p:spPr>
+          <a:xfrm>
+            <a:off x="6295361" y="1884505"/>
+            <a:ext cx="1260000" cy="576000"/>
+          </a:xfrm>
+          <a:prstGeom prst="flowChartProcess">
+            <a:avLst/>
+          </a:prstGeom>
+        </p:spPr>
+        <p:style>
+          <a:lnRef idx="2">
+            <a:schemeClr val="accent1">
+              <a:shade val="50000"/>
+            </a:schemeClr>
+          </a:lnRef>
+          <a:fillRef idx="1">
+            <a:schemeClr val="accent1"/>
+          </a:fillRef>
+          <a:effectRef idx="0">
+            <a:schemeClr val="accent1"/>
+          </a:effectRef>
+          <a:fontRef idx="minor">
+            <a:schemeClr val="lt1"/>
+          </a:fontRef>
+        </p:style>
+        <p:txBody>
+          <a:bodyPr rot="0" spcFirstLastPara="0" vertOverflow="overflow" horzOverflow="overflow" vert="horz" wrap="square" lIns="36000" tIns="36000" rIns="36000" bIns="36000" numCol="1" spcCol="0" rtlCol="0" fromWordArt="0" anchor="ctr" anchorCtr="0" forceAA="0" compatLnSpc="1">
+            <a:prstTxWarp prst="textNoShape">
+              <a:avLst/>
+            </a:prstTxWarp>
+            <a:noAutofit/>
+          </a:bodyPr>
+          <a:lstStyle/>
+          <a:p>
+            <a:pPr algn="ctr"/>
+            <a:r>
+              <a:rPr lang="en-US" dirty="0"/>
+              <a:t>License</a:t>
+            </a:r>
+          </a:p>
+          <a:p>
+            <a:pPr algn="ctr"/>
+            <a:r>
+              <a:rPr lang="en-US" dirty="0"/>
+              <a:t>Manager</a:t>
             </a:r>
           </a:p>
         </p:txBody>
